--- a/docs/מצגת-קבוצה 27.pptx
+++ b/docs/מצגת-קבוצה 27.pptx
@@ -846,7 +846,7 @@
           <a:p>
             <a:fld id="{290B3EDB-F1CC-4D22-BE49-869CAD7CA425}" type="datetimeFigureOut">
               <a:rPr lang="en-US" smtClean="0"/>
-              <a:t>1/20/2017</a:t>
+              <a:t>22-Jan-17</a:t>
             </a:fld>
             <a:endParaRPr lang="en-US"/>
           </a:p>
@@ -1097,7 +1097,7 @@
           <a:p>
             <a:fld id="{290B3EDB-F1CC-4D22-BE49-869CAD7CA425}" type="datetimeFigureOut">
               <a:rPr lang="en-US" smtClean="0"/>
-              <a:t>1/20/2017</a:t>
+              <a:t>22-Jan-17</a:t>
             </a:fld>
             <a:endParaRPr lang="en-US"/>
           </a:p>
@@ -1411,7 +1411,7 @@
           <a:p>
             <a:fld id="{290B3EDB-F1CC-4D22-BE49-869CAD7CA425}" type="datetimeFigureOut">
               <a:rPr lang="en-US" smtClean="0"/>
-              <a:t>1/20/2017</a:t>
+              <a:t>22-Jan-17</a:t>
             </a:fld>
             <a:endParaRPr lang="en-US"/>
           </a:p>
@@ -1752,7 +1752,7 @@
           <a:p>
             <a:fld id="{290B3EDB-F1CC-4D22-BE49-869CAD7CA425}" type="datetimeFigureOut">
               <a:rPr lang="en-US" smtClean="0"/>
-              <a:t>1/20/2017</a:t>
+              <a:t>22-Jan-17</a:t>
             </a:fld>
             <a:endParaRPr lang="en-US"/>
           </a:p>
@@ -2066,7 +2066,7 @@
           <a:p>
             <a:fld id="{290B3EDB-F1CC-4D22-BE49-869CAD7CA425}" type="datetimeFigureOut">
               <a:rPr lang="en-US" smtClean="0"/>
-              <a:t>1/20/2017</a:t>
+              <a:t>22-Jan-17</a:t>
             </a:fld>
             <a:endParaRPr lang="en-US"/>
           </a:p>
@@ -2459,7 +2459,7 @@
           <a:p>
             <a:fld id="{290B3EDB-F1CC-4D22-BE49-869CAD7CA425}" type="datetimeFigureOut">
               <a:rPr lang="en-US" smtClean="0"/>
-              <a:t>1/20/2017</a:t>
+              <a:t>22-Jan-17</a:t>
             </a:fld>
             <a:endParaRPr lang="en-US"/>
           </a:p>
@@ -2629,7 +2629,7 @@
           <a:p>
             <a:fld id="{290B3EDB-F1CC-4D22-BE49-869CAD7CA425}" type="datetimeFigureOut">
               <a:rPr lang="en-US" smtClean="0"/>
-              <a:t>1/20/2017</a:t>
+              <a:t>22-Jan-17</a:t>
             </a:fld>
             <a:endParaRPr lang="en-US"/>
           </a:p>
@@ -2809,7 +2809,7 @@
           <a:p>
             <a:fld id="{290B3EDB-F1CC-4D22-BE49-869CAD7CA425}" type="datetimeFigureOut">
               <a:rPr lang="en-US" smtClean="0"/>
-              <a:t>1/20/2017</a:t>
+              <a:t>22-Jan-17</a:t>
             </a:fld>
             <a:endParaRPr lang="en-US"/>
           </a:p>
@@ -2985,7 +2985,7 @@
           <a:p>
             <a:fld id="{290B3EDB-F1CC-4D22-BE49-869CAD7CA425}" type="datetimeFigureOut">
               <a:rPr lang="en-US" smtClean="0"/>
-              <a:t>1/20/2017</a:t>
+              <a:t>22-Jan-17</a:t>
             </a:fld>
             <a:endParaRPr lang="en-US"/>
           </a:p>
@@ -3232,7 +3232,7 @@
           <a:p>
             <a:fld id="{290B3EDB-F1CC-4D22-BE49-869CAD7CA425}" type="datetimeFigureOut">
               <a:rPr lang="en-US" smtClean="0"/>
-              <a:t>1/20/2017</a:t>
+              <a:t>22-Jan-17</a:t>
             </a:fld>
             <a:endParaRPr lang="en-US"/>
           </a:p>
@@ -3464,7 +3464,7 @@
           <a:p>
             <a:fld id="{290B3EDB-F1CC-4D22-BE49-869CAD7CA425}" type="datetimeFigureOut">
               <a:rPr lang="en-US" smtClean="0"/>
-              <a:t>1/20/2017</a:t>
+              <a:t>22-Jan-17</a:t>
             </a:fld>
             <a:endParaRPr lang="en-US"/>
           </a:p>
@@ -3838,7 +3838,7 @@
           <a:p>
             <a:fld id="{290B3EDB-F1CC-4D22-BE49-869CAD7CA425}" type="datetimeFigureOut">
               <a:rPr lang="en-US" smtClean="0"/>
-              <a:t>1/20/2017</a:t>
+              <a:t>22-Jan-17</a:t>
             </a:fld>
             <a:endParaRPr lang="en-US"/>
           </a:p>
@@ -3961,7 +3961,7 @@
           <a:p>
             <a:fld id="{290B3EDB-F1CC-4D22-BE49-869CAD7CA425}" type="datetimeFigureOut">
               <a:rPr lang="en-US" smtClean="0"/>
-              <a:t>1/20/2017</a:t>
+              <a:t>22-Jan-17</a:t>
             </a:fld>
             <a:endParaRPr lang="en-US"/>
           </a:p>
@@ -4056,7 +4056,7 @@
           <a:p>
             <a:fld id="{290B3EDB-F1CC-4D22-BE49-869CAD7CA425}" type="datetimeFigureOut">
               <a:rPr lang="en-US" smtClean="0"/>
-              <a:t>1/20/2017</a:t>
+              <a:t>22-Jan-17</a:t>
             </a:fld>
             <a:endParaRPr lang="en-US"/>
           </a:p>
@@ -4311,7 +4311,7 @@
           <a:p>
             <a:fld id="{290B3EDB-F1CC-4D22-BE49-869CAD7CA425}" type="datetimeFigureOut">
               <a:rPr lang="en-US" smtClean="0"/>
-              <a:t>1/20/2017</a:t>
+              <a:t>22-Jan-17</a:t>
             </a:fld>
             <a:endParaRPr lang="en-US"/>
           </a:p>
@@ -4574,7 +4574,7 @@
           <a:p>
             <a:fld id="{290B3EDB-F1CC-4D22-BE49-869CAD7CA425}" type="datetimeFigureOut">
               <a:rPr lang="en-US" smtClean="0"/>
-              <a:t>1/20/2017</a:t>
+              <a:t>22-Jan-17</a:t>
             </a:fld>
             <a:endParaRPr lang="en-US"/>
           </a:p>
@@ -5317,7 +5317,7 @@
           <a:p>
             <a:fld id="{290B3EDB-F1CC-4D22-BE49-869CAD7CA425}" type="datetimeFigureOut">
               <a:rPr lang="en-US" smtClean="0"/>
-              <a:t>1/20/2017</a:t>
+              <a:t>22-Jan-17</a:t>
             </a:fld>
             <a:endParaRPr lang="en-US"/>
           </a:p>
@@ -5953,8 +5953,25 @@
                   </a:schemeClr>
                 </a:solidFill>
               </a:rPr>
-              <a:t>(אלי, חנה, אריה, רומא)</a:t>
-            </a:r>
+              <a:t>(אלי, חנה, אריה, </a:t>
+            </a:r>
+            <a:r>
+              <a:rPr lang="he-IL" dirty="0" smtClean="0">
+                <a:solidFill>
+                  <a:schemeClr val="bg1">
+                    <a:lumMod val="75000"/>
+                  </a:schemeClr>
+                </a:solidFill>
+              </a:rPr>
+              <a:t>רומא)</a:t>
+            </a:r>
+            <a:endParaRPr lang="he-IL" dirty="0" smtClean="0">
+              <a:solidFill>
+                <a:schemeClr val="bg1">
+                  <a:lumMod val="75000"/>
+                </a:schemeClr>
+              </a:solidFill>
+            </a:endParaRPr>
           </a:p>
           <a:p>
             <a:pPr algn="r"/>
@@ -6644,7 +6661,43 @@
                   </a:schemeClr>
                 </a:solidFill>
               </a:rPr>
-              <a:t>בדיקות אלו מתבססות על הכרת קוד המקור של התוכנה ובניית תוכניות בדיקה המותאמות לנתיבי הזרימה האפשריים של הקוד. בדיקות יחידה עשויות להיות בדיקות מסוג קופסה לבנה. בסוג בדיקות זה, על הבודק להכיר את הלוגיקה של הקוד, וכן, עליו להיות בעל ידע בשפת התכנות בה כתובה התוכנה.</a:t>
+              <a:t>בדיקות אלו מתבססות על הכרת קוד המקור של התוכנה ובניית תוכניות בדיקה המותאמות לנתיבי הזרימה האפשריים של הקוד. בדיקות יחידה עשויות להיות בדיקות מסוג קופסה לבנה. בסוג בדיקות זה, על הבודק להכיר את הלוגיקה של הקוד, וכן, עליו להיות בעל ידע בשפת התכנות בה כתובה התוכנה</a:t>
+            </a:r>
+            <a:r>
+              <a:rPr lang="he-IL" sz="1800" dirty="0" smtClean="0">
+                <a:solidFill>
+                  <a:schemeClr val="bg2">
+                    <a:lumMod val="50000"/>
+                  </a:schemeClr>
+                </a:solidFill>
+              </a:rPr>
+              <a:t>. </a:t>
+            </a:r>
+            <a:r>
+              <a:rPr lang="he-IL" sz="1800" b="1" dirty="0" smtClean="0">
+                <a:solidFill>
+                  <a:schemeClr val="accent2"/>
+                </a:solidFill>
+              </a:rPr>
+              <a:t>למשל </a:t>
+            </a:r>
+            <a:r>
+              <a:rPr lang="en-US" sz="1800" b="1" dirty="0" err="1" smtClean="0">
+                <a:solidFill>
+                  <a:schemeClr val="accent2"/>
+                </a:solidFill>
+              </a:rPr>
+              <a:t>Wordpress</a:t>
+            </a:r>
+            <a:r>
+              <a:rPr lang="he-IL" sz="1800" dirty="0">
+                <a:solidFill>
+                  <a:schemeClr val="bg2">
+                    <a:lumMod val="50000"/>
+                  </a:schemeClr>
+                </a:solidFill>
+              </a:rPr>
+              <a:t/>
             </a:r>
             <a:br>
               <a:rPr lang="he-IL" sz="1800" dirty="0">
@@ -6733,13 +6786,29 @@
                   </a:schemeClr>
                 </a:solidFill>
               </a:rPr>
-              <a:t>אלו אינן מכירות את המבנה הפנימי של המערכת ומתבססות על בדיקת הפלט הצפוי לקלט מסוים בהתאם לתכנון מוקדם כלשהו. בדיקות קבלה מתבצעות בשיטה זו בדרך כלל. בסוג בדיקות זה, הבודק חייב לדעת את פירוט דרישות המערכת, וכן, עליו לדעת לאיזה פלט מהתוכנה עליו לצפות עבור קלט מסוים. עם זאת, הבודק אינו חייב להכיר את הלוגיקה של הבעיה או אפילו לדעת את שפת התכנות בה היא כתובה.</a:t>
-            </a:r>
-            <a:endParaRPr lang="en-US" sz="1800" dirty="0">
+              <a:t>אלו אינן מכירות את המבנה הפנימי של המערכת ומתבססות על בדיקת הפלט הצפוי לקלט מסוים בהתאם לתכנון מוקדם כלשהו. בדיקות קבלה מתבצעות בשיטה זו בדרך כלל. בסוג בדיקות זה, הבודק חייב לדעת את פירוט דרישות המערכת, וכן, עליו לדעת לאיזה פלט מהתוכנה עליו לצפות עבור קלט מסוים. עם זאת, הבודק אינו חייב להכיר את הלוגיקה של הבעיה או אפילו לדעת את שפת התכנות בה היא כתובה</a:t>
+            </a:r>
+            <a:r>
+              <a:rPr lang="he-IL" sz="1800" dirty="0" smtClean="0">
+                <a:solidFill>
+                  <a:schemeClr val="bg2">
+                    <a:lumMod val="50000"/>
+                  </a:schemeClr>
+                </a:solidFill>
+              </a:rPr>
+              <a:t>. </a:t>
+            </a:r>
+            <a:r>
+              <a:rPr lang="he-IL" sz="1800" b="1" dirty="0" smtClean="0">
+                <a:solidFill>
+                  <a:schemeClr val="accent2"/>
+                </a:solidFill>
+              </a:rPr>
+              <a:t>למשל אפל</a:t>
+            </a:r>
+            <a:endParaRPr lang="en-US" sz="1800" b="1" dirty="0">
               <a:solidFill>
-                <a:schemeClr val="bg2">
-                  <a:lumMod val="50000"/>
-                </a:schemeClr>
+                <a:schemeClr val="accent2"/>
               </a:solidFill>
             </a:endParaRPr>
           </a:p>
@@ -8946,7 +9015,7 @@
         </p:blipFill>
         <p:spPr>
           <a:xfrm>
-            <a:off x="6565844" y="2447107"/>
+            <a:off x="8366069" y="2447107"/>
             <a:ext cx="3257425" cy="2821577"/>
           </a:xfrm>
         </p:spPr>
@@ -9056,29 +9125,21 @@
       </p:pic>
       <p:pic>
         <p:nvPicPr>
-          <p:cNvPr id="11" name="Picture Placeholder 4" descr="code - Microsoft Visual Studio"/>
+          <p:cNvPr id="3" name="Picture 2"/>
           <p:cNvPicPr>
             <a:picLocks noChangeAspect="1"/>
           </p:cNvPicPr>
           <p:nvPr/>
         </p:nvPicPr>
-        <p:blipFill>
-          <a:blip r:embed="rId4">
-            <a:extLst>
-              <a:ext uri="{28A0092B-C50C-407E-A947-70E740481C1C}">
-                <a14:useLocalDpi xmlns:a14="http://schemas.microsoft.com/office/drawing/2010/main" val="0"/>
-              </a:ext>
-            </a:extLst>
-          </a:blip>
-          <a:srcRect/>
-          <a:stretch>
-            <a:fillRect/>
-          </a:stretch>
+        <p:blipFill rotWithShape="1">
+          <a:blip r:embed="rId4"/>
+          <a:srcRect l="2753" t="11170" r="54059" b="62034"/>
+          <a:stretch/>
         </p:blipFill>
         <p:spPr>
           <a:xfrm>
-            <a:off x="454434" y="1848244"/>
-            <a:ext cx="6016035" cy="4623100"/>
+            <a:off x="752475" y="2552699"/>
+            <a:ext cx="6959128" cy="2428875"/>
           </a:xfrm>
           <a:prstGeom prst="rect">
             <a:avLst/>
@@ -9127,7 +9188,7 @@
         </p:nvSpPr>
         <p:spPr>
           <a:xfrm>
-            <a:off x="1138888" y="1071338"/>
+            <a:off x="1138888" y="966563"/>
             <a:ext cx="8596667" cy="566738"/>
           </a:xfrm>
         </p:spPr>
@@ -9158,36 +9219,6 @@
           </a:p>
         </p:txBody>
       </p:sp>
-      <p:pic>
-        <p:nvPicPr>
-          <p:cNvPr id="7" name="Picture 6"/>
-          <p:cNvPicPr>
-            <a:picLocks noChangeAspect="1"/>
-          </p:cNvPicPr>
-          <p:nvPr/>
-        </p:nvPicPr>
-        <p:blipFill>
-          <a:blip r:embed="rId2" cstate="print">
-            <a:extLst>
-              <a:ext uri="{28A0092B-C50C-407E-A947-70E740481C1C}">
-                <a14:useLocalDpi xmlns:a14="http://schemas.microsoft.com/office/drawing/2010/main" val="0"/>
-              </a:ext>
-            </a:extLst>
-          </a:blip>
-          <a:stretch>
-            <a:fillRect/>
-          </a:stretch>
-        </p:blipFill>
-        <p:spPr>
-          <a:xfrm>
-            <a:off x="4696095" y="1807157"/>
-            <a:ext cx="3411583" cy="3411583"/>
-          </a:xfrm>
-          <a:prstGeom prst="rect">
-            <a:avLst/>
-          </a:prstGeom>
-        </p:spPr>
-      </p:pic>
       <p:sp>
         <p:nvSpPr>
           <p:cNvPr id="8" name="Title 1"/>
@@ -9297,7 +9328,7 @@
         </p:nvSpPr>
         <p:spPr>
           <a:xfrm>
-            <a:off x="690397" y="5384777"/>
+            <a:off x="1861972" y="5765777"/>
             <a:ext cx="8596667" cy="566738"/>
           </a:xfrm>
           <a:prstGeom prst="rect">
@@ -9306,7 +9337,7 @@
         </p:spPr>
         <p:txBody>
           <a:bodyPr vert="horz" lIns="91440" tIns="45720" rIns="91440" bIns="45720" rtlCol="0" anchor="b">
-            <a:normAutofit fontScale="77500" lnSpcReduction="20000"/>
+            <a:normAutofit/>
           </a:bodyPr>
           <a:lstStyle>
             <a:lvl1pPr algn="l" defTabSz="457200" rtl="0" eaLnBrk="1" latinLnBrk="0" hangingPunct="1">
@@ -9390,11 +9421,8 @@
                   </a:schemeClr>
                 </a:solidFill>
               </a:rPr>
-              <a:t>בדיקת כל הרכיבים ברצף כאשר מסיימים את תהליך כתיבת הקוד.</a:t>
-            </a:r>
-          </a:p>
-          <a:p>
-            <a:pPr algn="ctr"/>
+              <a:t>בדיקת כל הרכיבים ברצף כאשר מסיימים את תהליך כתיבת הקוד</a:t>
+            </a:r>
             <a:r>
               <a:rPr lang="he-IL" dirty="0" smtClean="0">
                 <a:solidFill>
@@ -9403,18 +9431,7 @@
                   </a:schemeClr>
                 </a:solidFill>
               </a:rPr>
-              <a:t>לצערינו, עד כה לא סיימנו את כתיבת הקוד כולו ולכן אין לנו דוגמה מתוך הפרויקט </a:t>
-            </a:r>
-            <a:r>
-              <a:rPr lang="he-IL" dirty="0" smtClean="0">
-                <a:solidFill>
-                  <a:schemeClr val="bg2">
-                    <a:lumMod val="50000"/>
-                  </a:schemeClr>
-                </a:solidFill>
-                <a:sym typeface="Wingdings" panose="05000000000000000000" pitchFamily="2" charset="2"/>
-              </a:rPr>
-              <a:t></a:t>
+              <a:t>.</a:t>
             </a:r>
             <a:endParaRPr lang="he-IL" dirty="0" smtClean="0">
               <a:solidFill>
@@ -9484,7 +9501,7 @@
           <p:nvPr/>
         </p:nvPicPr>
         <p:blipFill>
-          <a:blip r:embed="rId3" cstate="print">
+          <a:blip r:embed="rId2" cstate="print">
             <a:extLst>
               <a:ext uri="{28A0092B-C50C-407E-A947-70E740481C1C}">
                 <a14:useLocalDpi xmlns:a14="http://schemas.microsoft.com/office/drawing/2010/main" val="0"/>
@@ -9527,6 +9544,30 @@
               </a14:hiddenLine>
             </a:ext>
           </a:extLst>
+        </p:spPr>
+      </p:pic>
+      <p:pic>
+        <p:nvPicPr>
+          <p:cNvPr id="3" name="Picture 2"/>
+          <p:cNvPicPr>
+            <a:picLocks noChangeAspect="1"/>
+          </p:cNvPicPr>
+          <p:nvPr/>
+        </p:nvPicPr>
+        <p:blipFill>
+          <a:blip r:embed="rId3"/>
+          <a:stretch>
+            <a:fillRect/>
+          </a:stretch>
+        </p:blipFill>
+        <p:spPr>
+          <a:xfrm>
+            <a:off x="1600200" y="1608535"/>
+            <a:ext cx="7353300" cy="4136230"/>
+          </a:xfrm>
+          <a:prstGeom prst="rect">
+            <a:avLst/>
+          </a:prstGeom>
         </p:spPr>
       </p:pic>
     </p:spTree>

--- a/docs/מצגת-קבוצה 27.pptx
+++ b/docs/מצגת-קבוצה 27.pptx
@@ -9015,7 +9015,7 @@
         </p:blipFill>
         <p:spPr>
           <a:xfrm>
-            <a:off x="8366069" y="2447107"/>
+            <a:off x="571500" y="1046932"/>
             <a:ext cx="3257425" cy="2821577"/>
           </a:xfrm>
         </p:spPr>
@@ -9133,13 +9133,13 @@
         </p:nvPicPr>
         <p:blipFill rotWithShape="1">
           <a:blip r:embed="rId4"/>
-          <a:srcRect l="2753" t="11170" r="54059" b="62034"/>
+          <a:srcRect l="2753" t="11967" r="54059" b="65304"/>
           <a:stretch/>
         </p:blipFill>
         <p:spPr>
           <a:xfrm>
-            <a:off x="752475" y="2552699"/>
-            <a:ext cx="6959128" cy="2428875"/>
+            <a:off x="2609101" y="3448050"/>
+            <a:ext cx="9169677" cy="2714626"/>
           </a:xfrm>
           <a:prstGeom prst="rect">
             <a:avLst/>
@@ -9554,16 +9554,15 @@
           </p:cNvPicPr>
           <p:nvPr/>
         </p:nvPicPr>
-        <p:blipFill>
+        <p:blipFill rotWithShape="1">
           <a:blip r:embed="rId3"/>
-          <a:stretch>
-            <a:fillRect/>
-          </a:stretch>
+          <a:srcRect t="9670" r="10612" b="27202"/>
+          <a:stretch/>
         </p:blipFill>
         <p:spPr>
           <a:xfrm>
-            <a:off x="1600200" y="1608535"/>
-            <a:ext cx="7353300" cy="4136230"/>
+            <a:off x="447676" y="1628776"/>
+            <a:ext cx="10897291" cy="4328950"/>
           </a:xfrm>
           <a:prstGeom prst="rect">
             <a:avLst/>
